--- a/assets/images/계단 오르기.pptx
+++ b/assets/images/계단 오르기.pptx
@@ -4064,13 +4064,13 @@
           <p:nvPr>
             <p:extLst>
               <p:ext uri="{D42A27DB-BD31-4B8C-83A1-F6EECF244321}">
-                <p14:modId xmlns:p14="http://schemas.microsoft.com/office/powerpoint/2010/main" val="3389818409"/>
+                <p14:modId xmlns:p14="http://schemas.microsoft.com/office/powerpoint/2010/main" val="7496886"/>
               </p:ext>
             </p:extLst>
           </p:nvPr>
         </p:nvGraphicFramePr>
         <p:xfrm>
-          <a:off x="1530443" y="3287339"/>
+          <a:off x="979462" y="3287339"/>
           <a:ext cx="6669196" cy="741495"/>
         </p:xfrm>
         <a:graphic>
@@ -4394,7 +4394,7 @@
         </p:nvSpPr>
         <p:spPr>
           <a:xfrm>
-            <a:off x="889000" y="2760136"/>
+            <a:off x="338019" y="2760136"/>
             <a:ext cx="9059334" cy="369332"/>
           </a:xfrm>
           <a:prstGeom prst="rect">
@@ -4465,7 +4465,7 @@
         </p:nvSpPr>
         <p:spPr>
           <a:xfrm>
-            <a:off x="1549399" y="4174071"/>
+            <a:off x="998418" y="4174071"/>
             <a:ext cx="10363201" cy="923330"/>
           </a:xfrm>
           <a:prstGeom prst="rect">
